--- a/ocean_data/group5_presentation.pptx
+++ b/ocean_data/group5_presentation.pptx
@@ -12,6 +12,9 @@
     <p:sldId id="260" r:id="rId6"/>
     <p:sldId id="262" r:id="rId7"/>
     <p:sldId id="263" r:id="rId8"/>
+    <p:sldId id="264" r:id="rId9"/>
+    <p:sldId id="265" r:id="rId10"/>
+    <p:sldId id="266" r:id="rId11"/>
   </p:sldIdLst>
   <p:sldSz cx="12192000" cy="6858000"/>
   <p:notesSz cx="6858000" cy="9144000"/>
@@ -110,6 +113,11 @@
       </a:defRPr>
     </a:lvl9pPr>
   </p:defaultTextStyle>
+  <p:extLst>
+    <p:ext uri="{EFAFB233-063F-42B5-8137-9DF3F51BA10A}">
+      <p15:sldGuideLst xmlns:p15="http://schemas.microsoft.com/office/powerpoint/2012/main"/>
+    </p:ext>
+  </p:extLst>
 </p:presentation>
 </file>
 
@@ -3396,6 +3404,89 @@
 </p:sld>
 </file>
 
+<file path=ppt/slides/slide10.xml><?xml version="1.0" encoding="utf-8"?>
+<p:sld xmlns:a="http://schemas.openxmlformats.org/drawingml/2006/main" xmlns:r="http://schemas.openxmlformats.org/officeDocument/2006/relationships" xmlns:p="http://schemas.openxmlformats.org/presentationml/2006/main">
+  <p:cSld>
+    <p:spTree>
+      <p:nvGrpSpPr>
+        <p:cNvPr id="1" name=""/>
+        <p:cNvGrpSpPr/>
+        <p:nvPr/>
+      </p:nvGrpSpPr>
+      <p:grpSpPr>
+        <a:xfrm>
+          <a:off x="0" y="0"/>
+          <a:ext cx="0" cy="0"/>
+          <a:chOff x="0" y="0"/>
+          <a:chExt cx="0" cy="0"/>
+        </a:xfrm>
+      </p:grpSpPr>
+      <p:sp>
+        <p:nvSpPr>
+          <p:cNvPr id="7" name="Title 6">
+            <a:extLst>
+              <a:ext uri="{FF2B5EF4-FFF2-40B4-BE49-F238E27FC236}">
+                <a16:creationId xmlns:a16="http://schemas.microsoft.com/office/drawing/2014/main" id="{8D460DF5-9B89-4694-9EA9-C93B92FDB4FD}"/>
+              </a:ext>
+            </a:extLst>
+          </p:cNvPr>
+          <p:cNvSpPr>
+            <a:spLocks noGrp="1"/>
+          </p:cNvSpPr>
+          <p:nvPr>
+            <p:ph type="ctrTitle"/>
+          </p:nvPr>
+        </p:nvSpPr>
+        <p:spPr/>
+        <p:txBody>
+          <a:bodyPr/>
+          <a:lstStyle/>
+          <a:p>
+            <a:r>
+              <a:rPr lang="en-US"/>
+              <a:t>Questions?</a:t>
+            </a:r>
+          </a:p>
+        </p:txBody>
+      </p:sp>
+      <p:sp>
+        <p:nvSpPr>
+          <p:cNvPr id="8" name="Subtitle 7">
+            <a:extLst>
+              <a:ext uri="{FF2B5EF4-FFF2-40B4-BE49-F238E27FC236}">
+                <a16:creationId xmlns:a16="http://schemas.microsoft.com/office/drawing/2014/main" id="{EB8595B4-16AD-455A-AD19-9282CEE8E9E6}"/>
+              </a:ext>
+            </a:extLst>
+          </p:cNvPr>
+          <p:cNvSpPr>
+            <a:spLocks noGrp="1"/>
+          </p:cNvSpPr>
+          <p:nvPr>
+            <p:ph type="subTitle" idx="1"/>
+          </p:nvPr>
+        </p:nvSpPr>
+        <p:spPr/>
+        <p:txBody>
+          <a:bodyPr/>
+          <a:lstStyle/>
+          <a:p>
+            <a:endParaRPr lang="en-US"/>
+          </a:p>
+        </p:txBody>
+      </p:sp>
+    </p:spTree>
+    <p:extLst>
+      <p:ext uri="{BB962C8B-B14F-4D97-AF65-F5344CB8AC3E}">
+        <p14:creationId xmlns:p14="http://schemas.microsoft.com/office/powerpoint/2010/main" val="1910277246"/>
+      </p:ext>
+    </p:extLst>
+  </p:cSld>
+  <p:clrMapOvr>
+    <a:masterClrMapping/>
+  </p:clrMapOvr>
+</p:sld>
+</file>
+
 <file path=ppt/slides/slide2.xml><?xml version="1.0" encoding="utf-8"?>
 <p:sld xmlns:a="http://schemas.openxmlformats.org/drawingml/2006/main" xmlns:r="http://schemas.openxmlformats.org/officeDocument/2006/relationships" xmlns:p="http://schemas.openxmlformats.org/presentationml/2006/main">
   <p:cSld>
@@ -4417,6 +4508,317 @@
     <p:extLst>
       <p:ext uri="{BB962C8B-B14F-4D97-AF65-F5344CB8AC3E}">
         <p14:creationId xmlns:p14="http://schemas.microsoft.com/office/powerpoint/2010/main" val="3477572918"/>
+      </p:ext>
+    </p:extLst>
+  </p:cSld>
+  <p:clrMapOvr>
+    <a:masterClrMapping/>
+  </p:clrMapOvr>
+</p:sld>
+</file>
+
+<file path=ppt/slides/slide8.xml><?xml version="1.0" encoding="utf-8"?>
+<p:sld xmlns:a="http://schemas.openxmlformats.org/drawingml/2006/main" xmlns:r="http://schemas.openxmlformats.org/officeDocument/2006/relationships" xmlns:p="http://schemas.openxmlformats.org/presentationml/2006/main">
+  <p:cSld>
+    <p:spTree>
+      <p:nvGrpSpPr>
+        <p:cNvPr id="1" name=""/>
+        <p:cNvGrpSpPr/>
+        <p:nvPr/>
+      </p:nvGrpSpPr>
+      <p:grpSpPr>
+        <a:xfrm>
+          <a:off x="0" y="0"/>
+          <a:ext cx="0" cy="0"/>
+          <a:chOff x="0" y="0"/>
+          <a:chExt cx="0" cy="0"/>
+        </a:xfrm>
+      </p:grpSpPr>
+      <p:sp>
+        <p:nvSpPr>
+          <p:cNvPr id="5" name="Title 4">
+            <a:extLst>
+              <a:ext uri="{FF2B5EF4-FFF2-40B4-BE49-F238E27FC236}">
+                <a16:creationId xmlns:a16="http://schemas.microsoft.com/office/drawing/2014/main" id="{B7542F11-FB83-4244-9B5A-32A6616576DE}"/>
+              </a:ext>
+            </a:extLst>
+          </p:cNvPr>
+          <p:cNvSpPr>
+            <a:spLocks noGrp="1"/>
+          </p:cNvSpPr>
+          <p:nvPr>
+            <p:ph type="title"/>
+          </p:nvPr>
+        </p:nvSpPr>
+        <p:spPr/>
+        <p:txBody>
+          <a:bodyPr/>
+          <a:lstStyle/>
+          <a:p>
+            <a:r>
+              <a:rPr lang="en-US" dirty="0"/>
+              <a:t>Discussion</a:t>
+            </a:r>
+          </a:p>
+        </p:txBody>
+      </p:sp>
+      <p:sp>
+        <p:nvSpPr>
+          <p:cNvPr id="6" name="Content Placeholder 5">
+            <a:extLst>
+              <a:ext uri="{FF2B5EF4-FFF2-40B4-BE49-F238E27FC236}">
+                <a16:creationId xmlns:a16="http://schemas.microsoft.com/office/drawing/2014/main" id="{B9614F13-4BA6-4A8B-9AB5-99F30FE712B2}"/>
+              </a:ext>
+            </a:extLst>
+          </p:cNvPr>
+          <p:cNvSpPr>
+            <a:spLocks noGrp="1"/>
+          </p:cNvSpPr>
+          <p:nvPr>
+            <p:ph idx="1"/>
+          </p:nvPr>
+        </p:nvSpPr>
+        <p:spPr/>
+        <p:txBody>
+          <a:bodyPr/>
+          <a:lstStyle/>
+          <a:p>
+            <a:r>
+              <a:rPr lang="en-US" dirty="0"/>
+              <a:t>Happiness is a tricky factor to predict</a:t>
+            </a:r>
+          </a:p>
+          <a:p>
+            <a:pPr lvl="1"/>
+            <a:r>
+              <a:rPr lang="en-US" dirty="0"/>
+              <a:t>No correlations vs. correlations – a good mixture</a:t>
+            </a:r>
+          </a:p>
+          <a:p>
+            <a:endParaRPr lang="en-US" dirty="0"/>
+          </a:p>
+          <a:p>
+            <a:r>
+              <a:rPr lang="en-US" dirty="0"/>
+              <a:t>Conclusions</a:t>
+            </a:r>
+          </a:p>
+          <a:p>
+            <a:pPr lvl="1"/>
+            <a:r>
+              <a:rPr lang="en-US" dirty="0"/>
+              <a:t>??</a:t>
+            </a:r>
+          </a:p>
+        </p:txBody>
+      </p:sp>
+    </p:spTree>
+    <p:extLst>
+      <p:ext uri="{BB962C8B-B14F-4D97-AF65-F5344CB8AC3E}">
+        <p14:creationId xmlns:p14="http://schemas.microsoft.com/office/powerpoint/2010/main" val="2420622979"/>
+      </p:ext>
+    </p:extLst>
+  </p:cSld>
+  <p:clrMapOvr>
+    <a:masterClrMapping/>
+  </p:clrMapOvr>
+</p:sld>
+</file>
+
+<file path=ppt/slides/slide9.xml><?xml version="1.0" encoding="utf-8"?>
+<p:sld xmlns:a="http://schemas.openxmlformats.org/drawingml/2006/main" xmlns:r="http://schemas.openxmlformats.org/officeDocument/2006/relationships" xmlns:p="http://schemas.openxmlformats.org/presentationml/2006/main">
+  <p:cSld>
+    <p:spTree>
+      <p:nvGrpSpPr>
+        <p:cNvPr id="1" name=""/>
+        <p:cNvGrpSpPr/>
+        <p:nvPr/>
+      </p:nvGrpSpPr>
+      <p:grpSpPr>
+        <a:xfrm>
+          <a:off x="0" y="0"/>
+          <a:ext cx="0" cy="0"/>
+          <a:chOff x="0" y="0"/>
+          <a:chExt cx="0" cy="0"/>
+        </a:xfrm>
+      </p:grpSpPr>
+      <p:sp>
+        <p:nvSpPr>
+          <p:cNvPr id="2" name="Title 1">
+            <a:extLst>
+              <a:ext uri="{FF2B5EF4-FFF2-40B4-BE49-F238E27FC236}">
+                <a16:creationId xmlns:a16="http://schemas.microsoft.com/office/drawing/2014/main" id="{26F5C7F1-4B33-4942-BE7F-B9B2C4734F07}"/>
+              </a:ext>
+            </a:extLst>
+          </p:cNvPr>
+          <p:cNvSpPr>
+            <a:spLocks noGrp="1"/>
+          </p:cNvSpPr>
+          <p:nvPr>
+            <p:ph type="title"/>
+          </p:nvPr>
+        </p:nvSpPr>
+        <p:spPr/>
+        <p:txBody>
+          <a:bodyPr/>
+          <a:lstStyle/>
+          <a:p>
+            <a:r>
+              <a:rPr lang="en-US" dirty="0"/>
+              <a:t>Post</a:t>
+            </a:r>
+          </a:p>
+        </p:txBody>
+      </p:sp>
+      <p:sp>
+        <p:nvSpPr>
+          <p:cNvPr id="4" name="Text Placeholder 3">
+            <a:extLst>
+              <a:ext uri="{FF2B5EF4-FFF2-40B4-BE49-F238E27FC236}">
+                <a16:creationId xmlns:a16="http://schemas.microsoft.com/office/drawing/2014/main" id="{001C0267-60C1-44E1-A4E6-03BE877937D3}"/>
+              </a:ext>
+            </a:extLst>
+          </p:cNvPr>
+          <p:cNvSpPr>
+            <a:spLocks noGrp="1"/>
+          </p:cNvSpPr>
+          <p:nvPr>
+            <p:ph type="body" idx="1"/>
+          </p:nvPr>
+        </p:nvSpPr>
+        <p:spPr/>
+        <p:txBody>
+          <a:bodyPr/>
+          <a:lstStyle/>
+          <a:p>
+            <a:r>
+              <a:rPr lang="en-US" sz="3200" dirty="0"/>
+              <a:t>Difficulties</a:t>
+            </a:r>
+          </a:p>
+          <a:p>
+            <a:endParaRPr lang="en-US" dirty="0"/>
+          </a:p>
+        </p:txBody>
+      </p:sp>
+      <p:sp>
+        <p:nvSpPr>
+          <p:cNvPr id="3" name="Content Placeholder 2">
+            <a:extLst>
+              <a:ext uri="{FF2B5EF4-FFF2-40B4-BE49-F238E27FC236}">
+                <a16:creationId xmlns:a16="http://schemas.microsoft.com/office/drawing/2014/main" id="{5D96F210-D30B-4D57-A5B8-AB97B5DD90FE}"/>
+              </a:ext>
+            </a:extLst>
+          </p:cNvPr>
+          <p:cNvSpPr>
+            <a:spLocks noGrp="1"/>
+          </p:cNvSpPr>
+          <p:nvPr>
+            <p:ph sz="half" idx="2"/>
+          </p:nvPr>
+        </p:nvSpPr>
+        <p:spPr>
+          <a:xfrm>
+            <a:off x="836612" y="2094480"/>
+            <a:ext cx="5157787" cy="3684588"/>
+          </a:xfrm>
+        </p:spPr>
+        <p:txBody>
+          <a:bodyPr/>
+          <a:lstStyle/>
+          <a:p>
+            <a:pPr lvl="1"/>
+            <a:r>
+              <a:rPr lang="en-US" sz="2800" dirty="0"/>
+              <a:t>Finding complete data vs. finding variables we thought would correlate</a:t>
+            </a:r>
+          </a:p>
+          <a:p>
+            <a:pPr lvl="1"/>
+            <a:endParaRPr lang="en-US" dirty="0"/>
+          </a:p>
+        </p:txBody>
+      </p:sp>
+      <p:sp>
+        <p:nvSpPr>
+          <p:cNvPr id="5" name="Text Placeholder 4">
+            <a:extLst>
+              <a:ext uri="{FF2B5EF4-FFF2-40B4-BE49-F238E27FC236}">
+                <a16:creationId xmlns:a16="http://schemas.microsoft.com/office/drawing/2014/main" id="{60022C4C-4EAB-4944-8610-0C7D2236172E}"/>
+              </a:ext>
+            </a:extLst>
+          </p:cNvPr>
+          <p:cNvSpPr>
+            <a:spLocks noGrp="1"/>
+          </p:cNvSpPr>
+          <p:nvPr>
+            <p:ph type="body" sz="quarter" idx="3"/>
+          </p:nvPr>
+        </p:nvSpPr>
+        <p:spPr>
+          <a:xfrm>
+            <a:off x="6169024" y="1569074"/>
+            <a:ext cx="5183188" cy="823912"/>
+          </a:xfrm>
+        </p:spPr>
+        <p:txBody>
+          <a:bodyPr/>
+          <a:lstStyle/>
+          <a:p>
+            <a:r>
+              <a:rPr lang="en-US" sz="3200" dirty="0"/>
+              <a:t>Additional Questions</a:t>
+            </a:r>
+          </a:p>
+          <a:p>
+            <a:endParaRPr lang="en-US" dirty="0"/>
+          </a:p>
+        </p:txBody>
+      </p:sp>
+      <p:sp>
+        <p:nvSpPr>
+          <p:cNvPr id="6" name="Content Placeholder 5">
+            <a:extLst>
+              <a:ext uri="{FF2B5EF4-FFF2-40B4-BE49-F238E27FC236}">
+                <a16:creationId xmlns:a16="http://schemas.microsoft.com/office/drawing/2014/main" id="{D29C5125-7EBE-401A-9813-114DBF532C12}"/>
+              </a:ext>
+            </a:extLst>
+          </p:cNvPr>
+          <p:cNvSpPr>
+            <a:spLocks noGrp="1"/>
+          </p:cNvSpPr>
+          <p:nvPr>
+            <p:ph sz="quarter" idx="4"/>
+          </p:nvPr>
+        </p:nvSpPr>
+        <p:spPr>
+          <a:xfrm>
+            <a:off x="6096000" y="2047705"/>
+            <a:ext cx="5183188" cy="3684588"/>
+          </a:xfrm>
+        </p:spPr>
+        <p:txBody>
+          <a:bodyPr/>
+          <a:lstStyle/>
+          <a:p>
+            <a:r>
+              <a:rPr lang="en-US" dirty="0"/>
+              <a:t>Across year comparisons – are these variables changing over time?</a:t>
+            </a:r>
+          </a:p>
+          <a:p>
+            <a:r>
+              <a:rPr lang="en-US" dirty="0"/>
+              <a:t>Variables with less data – can we still work with them? How would we do that? </a:t>
+            </a:r>
+          </a:p>
+        </p:txBody>
+      </p:sp>
+    </p:spTree>
+    <p:extLst>
+      <p:ext uri="{BB962C8B-B14F-4D97-AF65-F5344CB8AC3E}">
+        <p14:creationId xmlns:p14="http://schemas.microsoft.com/office/powerpoint/2010/main" val="1585764975"/>
       </p:ext>
     </p:extLst>
   </p:cSld>
